--- a/RessourcesAnnexes/Creamy.pptx
+++ b/RessourcesAnnexes/Creamy.pptx
@@ -222,7 +222,7 @@
           <a:p>
             <a:fld id="{495FBB65-3CF8-4396-B531-2186A115FCBE}" type="datetimeFigureOut">
               <a:rPr lang="fr-FR" smtClean="0"/>
-              <a:t>22/06/2023</a:t>
+              <a:t>13/07/2023</a:t>
             </a:fld>
             <a:endParaRPr lang="fr-FR"/>
           </a:p>
@@ -2316,7 +2316,7 @@
           <a:p>
             <a:fld id="{01F1A230-F3DD-4E64-8206-30C60EF91C56}" type="datetimeFigureOut">
               <a:rPr lang="fr-FR" smtClean="0"/>
-              <a:t>22/06/2023</a:t>
+              <a:t>13/07/2023</a:t>
             </a:fld>
             <a:endParaRPr lang="fr-FR"/>
           </a:p>
@@ -2514,7 +2514,7 @@
           <a:p>
             <a:fld id="{01F1A230-F3DD-4E64-8206-30C60EF91C56}" type="datetimeFigureOut">
               <a:rPr lang="fr-FR" smtClean="0"/>
-              <a:t>22/06/2023</a:t>
+              <a:t>13/07/2023</a:t>
             </a:fld>
             <a:endParaRPr lang="fr-FR"/>
           </a:p>
@@ -2722,7 +2722,7 @@
           <a:p>
             <a:fld id="{01F1A230-F3DD-4E64-8206-30C60EF91C56}" type="datetimeFigureOut">
               <a:rPr lang="fr-FR" smtClean="0"/>
-              <a:t>22/06/2023</a:t>
+              <a:t>13/07/2023</a:t>
             </a:fld>
             <a:endParaRPr lang="fr-FR"/>
           </a:p>
@@ -2920,7 +2920,7 @@
           <a:p>
             <a:fld id="{01F1A230-F3DD-4E64-8206-30C60EF91C56}" type="datetimeFigureOut">
               <a:rPr lang="fr-FR" smtClean="0"/>
-              <a:t>22/06/2023</a:t>
+              <a:t>13/07/2023</a:t>
             </a:fld>
             <a:endParaRPr lang="fr-FR"/>
           </a:p>
@@ -3195,7 +3195,7 @@
           <a:p>
             <a:fld id="{01F1A230-F3DD-4E64-8206-30C60EF91C56}" type="datetimeFigureOut">
               <a:rPr lang="fr-FR" smtClean="0"/>
-              <a:t>22/06/2023</a:t>
+              <a:t>13/07/2023</a:t>
             </a:fld>
             <a:endParaRPr lang="fr-FR"/>
           </a:p>
@@ -3460,7 +3460,7 @@
           <a:p>
             <a:fld id="{01F1A230-F3DD-4E64-8206-30C60EF91C56}" type="datetimeFigureOut">
               <a:rPr lang="fr-FR" smtClean="0"/>
-              <a:t>22/06/2023</a:t>
+              <a:t>13/07/2023</a:t>
             </a:fld>
             <a:endParaRPr lang="fr-FR"/>
           </a:p>
@@ -3872,7 +3872,7 @@
           <a:p>
             <a:fld id="{01F1A230-F3DD-4E64-8206-30C60EF91C56}" type="datetimeFigureOut">
               <a:rPr lang="fr-FR" smtClean="0"/>
-              <a:t>22/06/2023</a:t>
+              <a:t>13/07/2023</a:t>
             </a:fld>
             <a:endParaRPr lang="fr-FR"/>
           </a:p>
@@ -4013,7 +4013,7 @@
           <a:p>
             <a:fld id="{01F1A230-F3DD-4E64-8206-30C60EF91C56}" type="datetimeFigureOut">
               <a:rPr lang="fr-FR" smtClean="0"/>
-              <a:t>22/06/2023</a:t>
+              <a:t>13/07/2023</a:t>
             </a:fld>
             <a:endParaRPr lang="fr-FR"/>
           </a:p>
@@ -4126,7 +4126,7 @@
           <a:p>
             <a:fld id="{01F1A230-F3DD-4E64-8206-30C60EF91C56}" type="datetimeFigureOut">
               <a:rPr lang="fr-FR" smtClean="0"/>
-              <a:t>22/06/2023</a:t>
+              <a:t>13/07/2023</a:t>
             </a:fld>
             <a:endParaRPr lang="fr-FR"/>
           </a:p>
@@ -4437,7 +4437,7 @@
           <a:p>
             <a:fld id="{01F1A230-F3DD-4E64-8206-30C60EF91C56}" type="datetimeFigureOut">
               <a:rPr lang="fr-FR" smtClean="0"/>
-              <a:t>22/06/2023</a:t>
+              <a:t>13/07/2023</a:t>
             </a:fld>
             <a:endParaRPr lang="fr-FR"/>
           </a:p>
@@ -4725,7 +4725,7 @@
           <a:p>
             <a:fld id="{01F1A230-F3DD-4E64-8206-30C60EF91C56}" type="datetimeFigureOut">
               <a:rPr lang="fr-FR" smtClean="0"/>
-              <a:t>22/06/2023</a:t>
+              <a:t>13/07/2023</a:t>
             </a:fld>
             <a:endParaRPr lang="fr-FR"/>
           </a:p>
@@ -4966,7 +4966,7 @@
           <a:p>
             <a:fld id="{01F1A230-F3DD-4E64-8206-30C60EF91C56}" type="datetimeFigureOut">
               <a:rPr lang="fr-FR" smtClean="0"/>
-              <a:t>22/06/2023</a:t>
+              <a:t>13/07/2023</a:t>
             </a:fld>
             <a:endParaRPr lang="fr-FR"/>
           </a:p>
